--- a/Meetings & Official Documents/20180227_Meeting08.pptx
+++ b/Meetings & Official Documents/20180227_Meeting08.pptx
@@ -211,7 +211,7 @@
           <a:p>
             <a:fld id="{E1E163D5-8D21-4EDA-9422-89EE88684034}" type="datetimeFigureOut">
               <a:rPr lang="nl-BE" smtClean="0"/>
-              <a:t>27/02/2018</a:t>
+              <a:t>3/04/2018</a:t>
             </a:fld>
             <a:endParaRPr lang="nl-BE"/>
           </a:p>
@@ -479,6 +479,90 @@
 </p:notesMaster>
 </file>
 
+<file path=ppt/notesSlides/notesSlide1.xml><?xml version="1.0" encoding="utf-8"?>
+<p:notes xmlns:a="http://schemas.openxmlformats.org/drawingml/2006/main" xmlns:r="http://schemas.openxmlformats.org/officeDocument/2006/relationships" xmlns:p="http://schemas.openxmlformats.org/presentationml/2006/main">
+  <p:cSld>
+    <p:spTree>
+      <p:nvGrpSpPr>
+        <p:cNvPr id="1" name=""/>
+        <p:cNvGrpSpPr/>
+        <p:nvPr/>
+      </p:nvGrpSpPr>
+      <p:grpSpPr>
+        <a:xfrm>
+          <a:off x="0" y="0"/>
+          <a:ext cx="0" cy="0"/>
+          <a:chOff x="0" y="0"/>
+          <a:chExt cx="0" cy="0"/>
+        </a:xfrm>
+      </p:grpSpPr>
+      <p:sp>
+        <p:nvSpPr>
+          <p:cNvPr id="2" name="Tijdelijke aanduiding voor dia-afbeelding 1"/>
+          <p:cNvSpPr>
+            <a:spLocks noGrp="1" noRot="1" noChangeAspect="1"/>
+          </p:cNvSpPr>
+          <p:nvPr>
+            <p:ph type="sldImg"/>
+          </p:nvPr>
+        </p:nvSpPr>
+        <p:spPr/>
+      </p:sp>
+      <p:sp>
+        <p:nvSpPr>
+          <p:cNvPr id="3" name="Tijdelijke aanduiding voor notities 2"/>
+          <p:cNvSpPr>
+            <a:spLocks noGrp="1"/>
+          </p:cNvSpPr>
+          <p:nvPr>
+            <p:ph type="body" idx="1"/>
+          </p:nvPr>
+        </p:nvSpPr>
+        <p:spPr/>
+        <p:txBody>
+          <a:bodyPr/>
+          <a:lstStyle/>
+          <a:p>
+            <a:endParaRPr lang="nl-BE" dirty="0"/>
+          </a:p>
+        </p:txBody>
+      </p:sp>
+      <p:sp>
+        <p:nvSpPr>
+          <p:cNvPr id="4" name="Tijdelijke aanduiding voor dianummer 3"/>
+          <p:cNvSpPr>
+            <a:spLocks noGrp="1"/>
+          </p:cNvSpPr>
+          <p:nvPr>
+            <p:ph type="sldNum" sz="quarter" idx="10"/>
+          </p:nvPr>
+        </p:nvSpPr>
+        <p:spPr/>
+        <p:txBody>
+          <a:bodyPr/>
+          <a:lstStyle/>
+          <a:p>
+            <a:fld id="{1DD10411-14A3-454F-8516-D2670A40F15A}" type="slidenum">
+              <a:rPr lang="nl-BE" smtClean="0"/>
+              <a:t>6</a:t>
+            </a:fld>
+            <a:endParaRPr lang="nl-BE"/>
+          </a:p>
+        </p:txBody>
+      </p:sp>
+    </p:spTree>
+    <p:extLst>
+      <p:ext uri="{BB962C8B-B14F-4D97-AF65-F5344CB8AC3E}">
+        <p14:creationId xmlns:p14="http://schemas.microsoft.com/office/powerpoint/2010/main" val="2342778993"/>
+      </p:ext>
+    </p:extLst>
+  </p:cSld>
+  <p:clrMapOvr>
+    <a:masterClrMapping/>
+  </p:clrMapOvr>
+</p:notes>
+</file>
+
 <file path=ppt/slideLayouts/slideLayout1.xml><?xml version="1.0" encoding="utf-8"?>
 <p:sldLayout xmlns:a="http://schemas.openxmlformats.org/drawingml/2006/main" xmlns:r="http://schemas.openxmlformats.org/officeDocument/2006/relationships" xmlns:p="http://schemas.openxmlformats.org/presentationml/2006/main" type="title" preserve="1">
   <p:cSld name="Titeldia">
@@ -628,7 +712,7 @@
           <a:p>
             <a:fld id="{262066CF-1003-499E-BD1D-A79C344B8F18}" type="datetime1">
               <a:rPr lang="nl-BE" smtClean="0"/>
-              <a:t>27/02/2018</a:t>
+              <a:t>3/04/2018</a:t>
             </a:fld>
             <a:endParaRPr lang="nl-BE"/>
           </a:p>
@@ -828,7 +912,7 @@
           <a:p>
             <a:fld id="{F89259D2-5419-47F1-990A-AD0955FD64F0}" type="datetime1">
               <a:rPr lang="nl-BE" smtClean="0"/>
-              <a:t>27/02/2018</a:t>
+              <a:t>3/04/2018</a:t>
             </a:fld>
             <a:endParaRPr lang="nl-BE"/>
           </a:p>
@@ -1038,7 +1122,7 @@
           <a:p>
             <a:fld id="{9A992E81-B3C9-4C09-ACC9-9FB7189C97A2}" type="datetime1">
               <a:rPr lang="nl-BE" smtClean="0"/>
-              <a:t>27/02/2018</a:t>
+              <a:t>3/04/2018</a:t>
             </a:fld>
             <a:endParaRPr lang="nl-BE"/>
           </a:p>
@@ -1238,7 +1322,7 @@
           <a:p>
             <a:fld id="{F97A2D3B-0B80-44A0-8AE1-34775985FB85}" type="datetime1">
               <a:rPr lang="nl-BE" smtClean="0"/>
-              <a:t>27/02/2018</a:t>
+              <a:t>3/04/2018</a:t>
             </a:fld>
             <a:endParaRPr lang="nl-BE"/>
           </a:p>
@@ -1514,7 +1598,7 @@
           <a:p>
             <a:fld id="{18248987-3E4B-447C-A8F5-C67864473286}" type="datetime1">
               <a:rPr lang="nl-BE" smtClean="0"/>
-              <a:t>27/02/2018</a:t>
+              <a:t>3/04/2018</a:t>
             </a:fld>
             <a:endParaRPr lang="nl-BE"/>
           </a:p>
@@ -1782,7 +1866,7 @@
           <a:p>
             <a:fld id="{6DDE4F37-E2CC-4F0D-980F-F91522D3BE21}" type="datetime1">
               <a:rPr lang="nl-BE" smtClean="0"/>
-              <a:t>27/02/2018</a:t>
+              <a:t>3/04/2018</a:t>
             </a:fld>
             <a:endParaRPr lang="nl-BE"/>
           </a:p>
@@ -2197,7 +2281,7 @@
           <a:p>
             <a:fld id="{5356A8BB-CA92-493F-8D1B-FB510DCB9DB7}" type="datetime1">
               <a:rPr lang="nl-BE" smtClean="0"/>
-              <a:t>27/02/2018</a:t>
+              <a:t>3/04/2018</a:t>
             </a:fld>
             <a:endParaRPr lang="nl-BE"/>
           </a:p>
@@ -2339,7 +2423,7 @@
           <a:p>
             <a:fld id="{86D1D8DD-4075-41C9-B77D-38F325AC6BC1}" type="datetime1">
               <a:rPr lang="nl-BE" smtClean="0"/>
-              <a:t>27/02/2018</a:t>
+              <a:t>3/04/2018</a:t>
             </a:fld>
             <a:endParaRPr lang="nl-BE"/>
           </a:p>
@@ -2452,7 +2536,7 @@
           <a:p>
             <a:fld id="{FC5511FF-5B98-4FB0-A010-0EFC856C5F4A}" type="datetime1">
               <a:rPr lang="nl-BE" smtClean="0"/>
-              <a:t>27/02/2018</a:t>
+              <a:t>3/04/2018</a:t>
             </a:fld>
             <a:endParaRPr lang="nl-BE"/>
           </a:p>
@@ -2765,7 +2849,7 @@
           <a:p>
             <a:fld id="{99F642E2-B660-4234-BF53-E47E108D377C}" type="datetime1">
               <a:rPr lang="nl-BE" smtClean="0"/>
-              <a:t>27/02/2018</a:t>
+              <a:t>3/04/2018</a:t>
             </a:fld>
             <a:endParaRPr lang="nl-BE"/>
           </a:p>
@@ -3054,7 +3138,7 @@
           <a:p>
             <a:fld id="{99FEE120-6BB0-49D6-9B3A-47199D5D8748}" type="datetime1">
               <a:rPr lang="nl-BE" smtClean="0"/>
-              <a:t>27/02/2018</a:t>
+              <a:t>3/04/2018</a:t>
             </a:fld>
             <a:endParaRPr lang="nl-BE"/>
           </a:p>
@@ -3297,7 +3381,7 @@
           <a:p>
             <a:fld id="{B1122030-4258-4024-A684-8034CF9F58E4}" type="datetime1">
               <a:rPr lang="nl-BE" smtClean="0"/>
-              <a:t>27/02/2018</a:t>
+              <a:t>3/04/2018</a:t>
             </a:fld>
             <a:endParaRPr lang="nl-BE"/>
           </a:p>
@@ -6125,7 +6209,10 @@
               <a:rPr lang="nl-BE" dirty="0" err="1"/>
               <a:t>study</a:t>
             </a:r>
-            <a:endParaRPr lang="nl-BE" dirty="0"/>
+            <a:r>
+              <a:rPr lang="nl-BE" dirty="0"/>
+              <a:t> (CASE C)</a:t>
+            </a:r>
           </a:p>
         </p:txBody>
       </p:sp>
@@ -6688,7 +6775,10 @@
               <a:rPr lang="nl-BE" dirty="0" err="1"/>
               <a:t>study</a:t>
             </a:r>
-            <a:endParaRPr lang="nl-BE" dirty="0"/>
+            <a:r>
+              <a:rPr lang="nl-BE" dirty="0"/>
+              <a:t>: CASE B</a:t>
+            </a:r>
           </a:p>
         </p:txBody>
       </p:sp>
@@ -7217,7 +7307,10 @@
               <a:rPr lang="nl-BE" dirty="0" err="1"/>
               <a:t>study</a:t>
             </a:r>
-            <a:endParaRPr lang="nl-BE" dirty="0"/>
+            <a:r>
+              <a:rPr lang="nl-BE" dirty="0"/>
+              <a:t>: CASE A</a:t>
+            </a:r>
           </a:p>
         </p:txBody>
       </p:sp>
@@ -7612,7 +7705,7 @@
           <p:nvPr/>
         </p:nvPicPr>
         <p:blipFill>
-          <a:blip r:embed="rId2">
+          <a:blip r:embed="rId3">
             <a:clrChange>
               <a:clrFrom>
                 <a:srgbClr val="F0F0F0"/>
@@ -7700,6 +7793,13 @@
             <a:r>
               <a:rPr lang="nl-BE" dirty="0" err="1"/>
               <a:t>study</a:t>
+            </a:r>
+            <a:br>
+              <a:rPr lang="nl-BE" dirty="0"/>
+            </a:br>
+            <a:r>
+              <a:rPr lang="nl-BE"/>
+              <a:t>CASE E</a:t>
             </a:r>
             <a:endParaRPr lang="nl-BE" dirty="0"/>
           </a:p>
@@ -8271,7 +8371,10 @@
               <a:rPr lang="nl-BE" dirty="0" err="1"/>
               <a:t>study</a:t>
             </a:r>
-            <a:endParaRPr lang="nl-BE" dirty="0"/>
+            <a:r>
+              <a:rPr lang="nl-BE" dirty="0"/>
+              <a:t>: CASE D</a:t>
+            </a:r>
           </a:p>
         </p:txBody>
       </p:sp>
@@ -8755,7 +8858,10 @@
               <a:rPr lang="nl-BE" dirty="0" err="1"/>
               <a:t>study</a:t>
             </a:r>
-            <a:endParaRPr lang="nl-BE" dirty="0"/>
+            <a:r>
+              <a:rPr lang="nl-BE" dirty="0"/>
+              <a:t>: CASE F</a:t>
+            </a:r>
           </a:p>
         </p:txBody>
       </p:sp>
